--- a/Class Slides 2024/Class 3.pptx
+++ b/Class Slides 2024/Class 3.pptx
@@ -18,7 +18,7 @@
     <p:sldId id="266" r:id="rId9"/>
   </p:sldIdLst>
   <p:sldSz cx="12192000" cy="6858000"/>
-  <p:notesSz cx="6858000" cy="9144000"/>
+  <p:notesSz cx="7102475" cy="9388475"/>
   <p:defaultTextStyle>
     <a:defPPr>
       <a:defRPr lang="en-US"/>
@@ -157,14 +157,14 @@
         <p:spPr>
           <a:xfrm>
             <a:off x="0" y="0"/>
-            <a:ext cx="2971800" cy="458788"/>
+            <a:ext cx="3077739" cy="471054"/>
           </a:xfrm>
           <a:prstGeom prst="rect">
             <a:avLst/>
           </a:prstGeom>
         </p:spPr>
         <p:txBody>
-          <a:bodyPr vert="horz" lIns="91440" tIns="45720" rIns="91440" bIns="45720" rtlCol="0"/>
+          <a:bodyPr vert="horz" lIns="94229" tIns="47114" rIns="94229" bIns="47114" rtlCol="0"/>
           <a:lstStyle>
             <a:lvl1pPr algn="l">
               <a:defRPr sz="1200"/>
@@ -187,15 +187,15 @@
         </p:nvSpPr>
         <p:spPr>
           <a:xfrm>
-            <a:off x="3884613" y="0"/>
-            <a:ext cx="2971800" cy="458788"/>
+            <a:off x="4023092" y="0"/>
+            <a:ext cx="3077739" cy="471054"/>
           </a:xfrm>
           <a:prstGeom prst="rect">
             <a:avLst/>
           </a:prstGeom>
         </p:spPr>
         <p:txBody>
-          <a:bodyPr vert="horz" lIns="91440" tIns="45720" rIns="91440" bIns="45720" rtlCol="0"/>
+          <a:bodyPr vert="horz" lIns="94229" tIns="47114" rIns="94229" bIns="47114" rtlCol="0"/>
           <a:lstStyle>
             <a:lvl1pPr algn="r">
               <a:defRPr sz="1200"/>
@@ -222,8 +222,8 @@
         </p:nvSpPr>
         <p:spPr>
           <a:xfrm>
-            <a:off x="685800" y="1143000"/>
-            <a:ext cx="5486400" cy="3086100"/>
+            <a:off x="735013" y="1173163"/>
+            <a:ext cx="5632450" cy="3168650"/>
           </a:xfrm>
           <a:prstGeom prst="rect">
             <a:avLst/>
@@ -236,7 +236,7 @@
           </a:ln>
         </p:spPr>
         <p:txBody>
-          <a:bodyPr vert="horz" lIns="91440" tIns="45720" rIns="91440" bIns="45720" rtlCol="0" anchor="ctr"/>
+          <a:bodyPr vert="horz" lIns="94229" tIns="47114" rIns="94229" bIns="47114" rtlCol="0" anchor="ctr"/>
           <a:lstStyle/>
           <a:p>
             <a:endParaRPr lang="en-US"/>
@@ -255,15 +255,15 @@
         </p:nvSpPr>
         <p:spPr>
           <a:xfrm>
-            <a:off x="685800" y="4400550"/>
-            <a:ext cx="5486400" cy="3600450"/>
+            <a:off x="710248" y="4518204"/>
+            <a:ext cx="5681980" cy="3696712"/>
           </a:xfrm>
           <a:prstGeom prst="rect">
             <a:avLst/>
           </a:prstGeom>
         </p:spPr>
         <p:txBody>
-          <a:bodyPr vert="horz" lIns="91440" tIns="45720" rIns="91440" bIns="45720" rtlCol="0"/>
+          <a:bodyPr vert="horz" lIns="94229" tIns="47114" rIns="94229" bIns="47114" rtlCol="0"/>
           <a:lstStyle/>
           <a:p>
             <a:pPr lvl="0"/>
@@ -314,15 +314,15 @@
         </p:nvSpPr>
         <p:spPr>
           <a:xfrm>
-            <a:off x="0" y="8685213"/>
-            <a:ext cx="2971800" cy="458787"/>
+            <a:off x="0" y="8917422"/>
+            <a:ext cx="3077739" cy="471053"/>
           </a:xfrm>
           <a:prstGeom prst="rect">
             <a:avLst/>
           </a:prstGeom>
         </p:spPr>
         <p:txBody>
-          <a:bodyPr vert="horz" lIns="91440" tIns="45720" rIns="91440" bIns="45720" rtlCol="0" anchor="b"/>
+          <a:bodyPr vert="horz" lIns="94229" tIns="47114" rIns="94229" bIns="47114" rtlCol="0" anchor="b"/>
           <a:lstStyle>
             <a:lvl1pPr algn="l">
               <a:defRPr sz="1200"/>
@@ -345,15 +345,15 @@
         </p:nvSpPr>
         <p:spPr>
           <a:xfrm>
-            <a:off x="3884613" y="8685213"/>
-            <a:ext cx="2971800" cy="458787"/>
+            <a:off x="4023092" y="8917422"/>
+            <a:ext cx="3077739" cy="471053"/>
           </a:xfrm>
           <a:prstGeom prst="rect">
             <a:avLst/>
           </a:prstGeom>
         </p:spPr>
         <p:txBody>
-          <a:bodyPr vert="horz" lIns="91440" tIns="45720" rIns="91440" bIns="45720" rtlCol="0" anchor="b"/>
+          <a:bodyPr vert="horz" lIns="94229" tIns="47114" rIns="94229" bIns="47114" rtlCol="0" anchor="b"/>
           <a:lstStyle>
             <a:lvl1pPr algn="r">
               <a:defRPr sz="1200"/>
@@ -3837,6 +3837,14 @@
             </a:r>
           </a:p>
           <a:p>
+            <a:pPr lvl="1"/>
+            <a:r>
+              <a:rPr lang="en-US" dirty="0"/>
+              <a:t>The construct to be measured</a:t>
+            </a:r>
+          </a:p>
+          <a:p>
+            <a:pPr lvl="1"/>
             <a:r>
               <a:rPr lang="en-US" dirty="0"/>
               <a:t>The dependent variable as a measured operational definition</a:t>
@@ -4354,7 +4362,7 @@
             <a:pPr lvl="1"/>
             <a:r>
               <a:rPr lang="en-US" dirty="0"/>
-              <a:t>Ground your research in other published work</a:t>
+              <a:t>Ground your research in other published work, build from there</a:t>
             </a:r>
           </a:p>
         </p:txBody>
